--- a/2023 весна/лекции/лекция 8_1 нов.pptx
+++ b/2023 весна/лекции/лекция 8_1 нов.pptx
@@ -271,7 +271,7 @@
           <a:p>
             <a:fld id="{29642B24-77BB-4BC1-9DF3-4A3F237C5B04}" type="datetimeFigureOut">
               <a:rPr lang="ru-RU" smtClean="0"/>
-              <a:t>08.11.2021</a:t>
+              <a:t>10.04.2023</a:t>
             </a:fld>
             <a:endParaRPr lang="ru-RU"/>
           </a:p>
@@ -4836,7 +4836,7 @@
           <a:p>
             <a:fld id="{A194D002-0EC3-4530-B910-76D5CAB57DE5}" type="datetimeFigureOut">
               <a:rPr lang="ru-RU" smtClean="0"/>
-              <a:t>08.11.2021</a:t>
+              <a:t>10.04.2023</a:t>
             </a:fld>
             <a:endParaRPr lang="ru-RU"/>
           </a:p>
@@ -5006,7 +5006,7 @@
           <a:p>
             <a:fld id="{A194D002-0EC3-4530-B910-76D5CAB57DE5}" type="datetimeFigureOut">
               <a:rPr lang="ru-RU" smtClean="0"/>
-              <a:t>08.11.2021</a:t>
+              <a:t>10.04.2023</a:t>
             </a:fld>
             <a:endParaRPr lang="ru-RU"/>
           </a:p>
@@ -5186,7 +5186,7 @@
           <a:p>
             <a:fld id="{A194D002-0EC3-4530-B910-76D5CAB57DE5}" type="datetimeFigureOut">
               <a:rPr lang="ru-RU" smtClean="0"/>
-              <a:t>08.11.2021</a:t>
+              <a:t>10.04.2023</a:t>
             </a:fld>
             <a:endParaRPr lang="ru-RU"/>
           </a:p>
@@ -5356,7 +5356,7 @@
           <a:p>
             <a:fld id="{A194D002-0EC3-4530-B910-76D5CAB57DE5}" type="datetimeFigureOut">
               <a:rPr lang="ru-RU" smtClean="0"/>
-              <a:t>08.11.2021</a:t>
+              <a:t>10.04.2023</a:t>
             </a:fld>
             <a:endParaRPr lang="ru-RU"/>
           </a:p>
@@ -5602,7 +5602,7 @@
           <a:p>
             <a:fld id="{A194D002-0EC3-4530-B910-76D5CAB57DE5}" type="datetimeFigureOut">
               <a:rPr lang="ru-RU" smtClean="0"/>
-              <a:t>08.11.2021</a:t>
+              <a:t>10.04.2023</a:t>
             </a:fld>
             <a:endParaRPr lang="ru-RU"/>
           </a:p>
@@ -5890,7 +5890,7 @@
           <a:p>
             <a:fld id="{A194D002-0EC3-4530-B910-76D5CAB57DE5}" type="datetimeFigureOut">
               <a:rPr lang="ru-RU" smtClean="0"/>
-              <a:t>08.11.2021</a:t>
+              <a:t>10.04.2023</a:t>
             </a:fld>
             <a:endParaRPr lang="ru-RU"/>
           </a:p>
@@ -6312,7 +6312,7 @@
           <a:p>
             <a:fld id="{A194D002-0EC3-4530-B910-76D5CAB57DE5}" type="datetimeFigureOut">
               <a:rPr lang="ru-RU" smtClean="0"/>
-              <a:t>08.11.2021</a:t>
+              <a:t>10.04.2023</a:t>
             </a:fld>
             <a:endParaRPr lang="ru-RU"/>
           </a:p>
@@ -6430,7 +6430,7 @@
           <a:p>
             <a:fld id="{A194D002-0EC3-4530-B910-76D5CAB57DE5}" type="datetimeFigureOut">
               <a:rPr lang="ru-RU" smtClean="0"/>
-              <a:t>08.11.2021</a:t>
+              <a:t>10.04.2023</a:t>
             </a:fld>
             <a:endParaRPr lang="ru-RU"/>
           </a:p>
@@ -6525,7 +6525,7 @@
           <a:p>
             <a:fld id="{A194D002-0EC3-4530-B910-76D5CAB57DE5}" type="datetimeFigureOut">
               <a:rPr lang="ru-RU" smtClean="0"/>
-              <a:t>08.11.2021</a:t>
+              <a:t>10.04.2023</a:t>
             </a:fld>
             <a:endParaRPr lang="ru-RU"/>
           </a:p>
@@ -6802,7 +6802,7 @@
           <a:p>
             <a:fld id="{A194D002-0EC3-4530-B910-76D5CAB57DE5}" type="datetimeFigureOut">
               <a:rPr lang="ru-RU" smtClean="0"/>
-              <a:t>08.11.2021</a:t>
+              <a:t>10.04.2023</a:t>
             </a:fld>
             <a:endParaRPr lang="ru-RU"/>
           </a:p>
@@ -7055,7 +7055,7 @@
           <a:p>
             <a:fld id="{A194D002-0EC3-4530-B910-76D5CAB57DE5}" type="datetimeFigureOut">
               <a:rPr lang="ru-RU" smtClean="0"/>
-              <a:t>08.11.2021</a:t>
+              <a:t>10.04.2023</a:t>
             </a:fld>
             <a:endParaRPr lang="ru-RU"/>
           </a:p>
@@ -7268,7 +7268,7 @@
           <a:p>
             <a:fld id="{A194D002-0EC3-4530-B910-76D5CAB57DE5}" type="datetimeFigureOut">
               <a:rPr lang="ru-RU" smtClean="0"/>
-              <a:t>08.11.2021</a:t>
+              <a:t>10.04.2023</a:t>
             </a:fld>
             <a:endParaRPr lang="ru-RU"/>
           </a:p>
@@ -8237,13 +8237,8 @@
             </a:pPr>
             <a:r>
               <a:rPr lang="ru-RU" sz="2000" dirty="0" smtClean="0"/>
-              <a:t>Возможна организация двух каналов (прием и </a:t>
-            </a:r>
-            <a:r>
-              <a:rPr lang="ru-RU" sz="2000" dirty="0" smtClean="0"/>
-              <a:t>передача – полный дуплекс, если или/или – то полудуплекс)</a:t>
-            </a:r>
-            <a:endParaRPr lang="ru-RU" sz="2000" dirty="0" smtClean="0"/>
+              <a:t>Возможна организация двух каналов (прием и передача – полный дуплекс, если или/или – то полудуплекс)</a:t>
+            </a:r>
           </a:p>
           <a:p>
             <a:pPr lvl="2">
@@ -10739,7 +10734,7 @@
         <p:spPr>
           <a:xfrm>
             <a:off x="107504" y="3001908"/>
-            <a:ext cx="8712968" cy="2677656"/>
+            <a:ext cx="8712968" cy="3416320"/>
           </a:xfrm>
           <a:prstGeom prst="rect">
             <a:avLst/>
@@ -10791,6 +10786,26 @@
             <a:r>
               <a:rPr lang="ru-RU" sz="2400" i="1" dirty="0" smtClean="0"/>
               <a:t>.</a:t>
+            </a:r>
+          </a:p>
+          <a:p>
+            <a:pPr marL="1200150" lvl="2" indent="-285750" algn="just">
+              <a:buFont typeface="Arial" panose="020B0604020202020204" pitchFamily="34" charset="0"/>
+              <a:buChar char="•"/>
+            </a:pPr>
+            <a:r>
+              <a:rPr lang="ru-RU" sz="2400" i="1" dirty="0" smtClean="0"/>
+              <a:t>Изохронный режим работы</a:t>
+            </a:r>
+          </a:p>
+          <a:p>
+            <a:pPr marL="1200150" lvl="2" indent="-285750" algn="just">
+              <a:buFont typeface="Arial" panose="020B0604020202020204" pitchFamily="34" charset="0"/>
+              <a:buChar char="•"/>
+            </a:pPr>
+            <a:r>
+              <a:rPr lang="ru-RU" sz="2400" i="1" dirty="0" smtClean="0"/>
+              <a:t>Сама шина синхронная и параллельная </a:t>
             </a:r>
             <a:endParaRPr lang="ru-RU" sz="2400" i="1" dirty="0"/>
           </a:p>
@@ -16818,7 +16833,11 @@
             </a:r>
             <a:r>
               <a:rPr lang="ru-RU" sz="2400" i="1" dirty="0" smtClean="0"/>
-              <a:t>объема свободного пространства в буферной памяти получателя,</a:t>
+              <a:t>объема свободного пространства в буферной памяти получателя, - </a:t>
+            </a:r>
+            <a:r>
+              <a:rPr lang="ru-RU" sz="2400" dirty="0" smtClean="0"/>
+              <a:t>Изохронный режим.</a:t>
             </a:r>
           </a:p>
           <a:p>
@@ -19349,7 +19368,7 @@
           <p:nvPr>
             <p:extLst>
               <p:ext uri="{D42A27DB-BD31-4B8C-83A1-F6EECF244321}">
-                <p14:modId xmlns:p14="http://schemas.microsoft.com/office/powerpoint/2010/main" val="3730497916"/>
+                <p14:modId xmlns:p14="http://schemas.microsoft.com/office/powerpoint/2010/main" val="2238197883"/>
               </p:ext>
             </p:extLst>
           </p:nvPr>
@@ -22331,7 +22350,7 @@
                     <a:lstStyle/>
                     <a:p>
                       <a:r>
-                        <a:rPr lang="ru-RU" sz="1700">
+                        <a:rPr lang="ru-RU" sz="1700" dirty="0">
                           <a:effectLst/>
                         </a:rPr>
                         <a:t>32 ГТ/с</a:t>
@@ -22411,7 +22430,7 @@
                         <a:rPr lang="ru-RU" sz="1800" dirty="0" smtClean="0">
                           <a:effectLst/>
                         </a:rPr>
-                        <a:t>Мбайт/с</a:t>
+                        <a:t>Гбайт/с</a:t>
                       </a:r>
                       <a:endParaRPr lang="ru-RU" sz="1800" b="1" dirty="0">
                         <a:effectLst/>
@@ -22917,11 +22936,11 @@
   <p:clrMapOvr>
     <a:masterClrMapping/>
   </p:clrMapOvr>
-  <mc:AlternateContent xmlns:mc="http://schemas.openxmlformats.org/markup-compatibility/2006">
-    <mc:Choice xmlns:p14="http://schemas.microsoft.com/office/powerpoint/2010/main" Requires="p14">
+  <mc:AlternateContent xmlns:mc="http://schemas.openxmlformats.org/markup-compatibility/2006" xmlns:p14="http://schemas.microsoft.com/office/powerpoint/2010/main">
+    <mc:Choice Requires="p14">
       <p:transition spd="slow" p14:dur="2000"/>
     </mc:Choice>
-    <mc:Fallback>
+    <mc:Fallback xmlns="">
       <p:transition spd="slow"/>
     </mc:Fallback>
   </mc:AlternateContent>
@@ -23305,11 +23324,11 @@
   <p:clrMapOvr>
     <a:masterClrMapping/>
   </p:clrMapOvr>
-  <mc:AlternateContent xmlns:mc="http://schemas.openxmlformats.org/markup-compatibility/2006">
-    <mc:Choice xmlns:p14="http://schemas.microsoft.com/office/powerpoint/2010/main" Requires="p14">
+  <mc:AlternateContent xmlns:mc="http://schemas.openxmlformats.org/markup-compatibility/2006" xmlns:p14="http://schemas.microsoft.com/office/powerpoint/2010/main">
+    <mc:Choice Requires="p14">
       <p:transition spd="slow" p14:dur="2000"/>
     </mc:Choice>
-    <mc:Fallback>
+    <mc:Fallback xmlns="">
       <p:transition spd="slow"/>
     </mc:Fallback>
   </mc:AlternateContent>
@@ -23669,11 +23688,11 @@
   <p:clrMapOvr>
     <a:masterClrMapping/>
   </p:clrMapOvr>
-  <mc:AlternateContent xmlns:mc="http://schemas.openxmlformats.org/markup-compatibility/2006">
-    <mc:Choice xmlns:p14="http://schemas.microsoft.com/office/powerpoint/2010/main" Requires="p14">
+  <mc:AlternateContent xmlns:mc="http://schemas.openxmlformats.org/markup-compatibility/2006" xmlns:p14="http://schemas.microsoft.com/office/powerpoint/2010/main">
+    <mc:Choice Requires="p14">
       <p:transition spd="slow" p14:dur="2000"/>
     </mc:Choice>
-    <mc:Fallback>
+    <mc:Fallback xmlns="">
       <p:transition spd="slow"/>
     </mc:Fallback>
   </mc:AlternateContent>
@@ -23925,15 +23944,7 @@
             </a:pPr>
             <a:r>
               <a:rPr lang="ru-RU" sz="2400" dirty="0" smtClean="0"/>
-              <a:t>Изохронные операции передача пакетов данных в ритме 8 кГц, задаваемым </a:t>
-            </a:r>
-            <a:r>
-              <a:rPr lang="ru-RU" sz="2400" dirty="0" smtClean="0"/>
-              <a:t>ведущими </a:t>
-            </a:r>
-            <a:r>
-              <a:rPr lang="ru-RU" sz="2400" dirty="0" smtClean="0"/>
-              <a:t>устройством</a:t>
+              <a:t>Изохронные операции передача пакетов данных в ритме 8 кГц, задаваемым ведущими устройством</a:t>
             </a:r>
           </a:p>
         </p:txBody>
@@ -24013,11 +24024,11 @@
   <p:clrMapOvr>
     <a:masterClrMapping/>
   </p:clrMapOvr>
-  <mc:AlternateContent xmlns:mc="http://schemas.openxmlformats.org/markup-compatibility/2006">
-    <mc:Choice xmlns:p14="http://schemas.microsoft.com/office/powerpoint/2010/main" Requires="p14">
+  <mc:AlternateContent xmlns:mc="http://schemas.openxmlformats.org/markup-compatibility/2006" xmlns:p14="http://schemas.microsoft.com/office/powerpoint/2010/main">
+    <mc:Choice Requires="p14">
       <p:transition spd="slow" p14:dur="2000"/>
     </mc:Choice>
-    <mc:Fallback>
+    <mc:Fallback xmlns="">
       <p:transition spd="slow"/>
     </mc:Fallback>
   </mc:AlternateContent>
@@ -24400,11 +24411,11 @@
   <p:clrMapOvr>
     <a:masterClrMapping/>
   </p:clrMapOvr>
-  <mc:AlternateContent xmlns:mc="http://schemas.openxmlformats.org/markup-compatibility/2006">
-    <mc:Choice xmlns:p14="http://schemas.microsoft.com/office/powerpoint/2010/main" Requires="p14">
+  <mc:AlternateContent xmlns:mc="http://schemas.openxmlformats.org/markup-compatibility/2006" xmlns:p14="http://schemas.microsoft.com/office/powerpoint/2010/main">
+    <mc:Choice Requires="p14">
       <p:transition spd="slow" p14:dur="2000"/>
     </mc:Choice>
-    <mc:Fallback>
+    <mc:Fallback xmlns="">
       <p:transition spd="slow"/>
     </mc:Fallback>
   </mc:AlternateContent>
@@ -31581,6 +31592,13 @@
   <p:clrMapOvr>
     <a:masterClrMapping/>
   </p:clrMapOvr>
+  <p:timing>
+    <p:tnLst>
+      <p:par>
+        <p:cTn id="1" dur="indefinite" restart="never" nodeType="tmRoot"/>
+      </p:par>
+    </p:tnLst>
+  </p:timing>
 </p:sld>
 </file>
 
@@ -31859,6 +31877,13 @@
   <p:clrMapOvr>
     <a:masterClrMapping/>
   </p:clrMapOvr>
+  <p:timing>
+    <p:tnLst>
+      <p:par>
+        <p:cTn id="1" dur="indefinite" restart="never" nodeType="tmRoot"/>
+      </p:par>
+    </p:tnLst>
+  </p:timing>
 </p:sld>
 </file>
 
@@ -32073,6 +32098,13 @@
   <p:clrMapOvr>
     <a:masterClrMapping/>
   </p:clrMapOvr>
+  <p:timing>
+    <p:tnLst>
+      <p:par>
+        <p:cTn id="1" dur="indefinite" restart="never" nodeType="tmRoot"/>
+      </p:par>
+    </p:tnLst>
+  </p:timing>
 </p:sld>
 </file>
 
@@ -32432,6 +32464,13 @@
   <p:clrMapOvr>
     <a:masterClrMapping/>
   </p:clrMapOvr>
+  <p:timing>
+    <p:tnLst>
+      <p:par>
+        <p:cTn id="1" dur="indefinite" restart="never" nodeType="tmRoot"/>
+      </p:par>
+    </p:tnLst>
+  </p:timing>
 </p:sld>
 </file>
 
@@ -33066,11 +33105,7 @@
             </a:r>
             <a:r>
               <a:rPr lang="en-US" sz="2400" dirty="0" smtClean="0"/>
-              <a:t>ATA</a:t>
-            </a:r>
-            <a:r>
-              <a:rPr lang="en-US" sz="2400" dirty="0" smtClean="0"/>
-              <a:t>, </a:t>
+              <a:t>ATA, </a:t>
             </a:r>
             <a:r>
               <a:rPr lang="en-US" sz="2400" dirty="0"/>
@@ -33158,7 +33193,6 @@
               <a:rPr lang="ru-RU" sz="2400" dirty="0" smtClean="0"/>
               <a:t>).</a:t>
             </a:r>
-            <a:endParaRPr lang="ru-RU" sz="2400" dirty="0" smtClean="0"/>
           </a:p>
           <a:p>
             <a:pPr marL="285750" lvl="1">
